--- a/簡報2.pptx
+++ b/簡報2.pptx
@@ -105,6 +105,11 @@
       </a:defRPr>
     </a:lvl9pPr>
   </p:defaultTextStyle>
+  <p:extLst>
+    <p:ext uri="{EFAFB233-063F-42B5-8137-9DF3F51BA10A}">
+      <p15:sldGuideLst xmlns:p15="http://schemas.microsoft.com/office/powerpoint/2012/main"/>
+    </p:ext>
+  </p:extLst>
 </p:presentation>
 </file>
 
@@ -3492,104 +3497,6 @@
           <a:chExt cx="0" cy="0"/>
         </a:xfrm>
       </p:grpSpPr>
-      <p:sp>
-        <p:nvSpPr>
-          <p:cNvPr id="6" name="矩形 5">
-            <a:extLst>
-              <a:ext uri="{FF2B5EF4-FFF2-40B4-BE49-F238E27FC236}">
-                <a16:creationId xmlns:a16="http://schemas.microsoft.com/office/drawing/2014/main" id="{995F5EB2-C751-FC13-CAF2-E1F5DF7871BD}"/>
-              </a:ext>
-            </a:extLst>
-          </p:cNvPr>
-          <p:cNvSpPr/>
-          <p:nvPr/>
-        </p:nvSpPr>
-        <p:spPr>
-          <a:xfrm>
-            <a:off x="3025703" y="3043535"/>
-            <a:ext cx="2851294" cy="323165"/>
-          </a:xfrm>
-          <a:prstGeom prst="rect">
-            <a:avLst/>
-          </a:prstGeom>
-          <a:noFill/>
-        </p:spPr>
-        <p:txBody>
-          <a:bodyPr wrap="none" lIns="91440" tIns="45720" rIns="91440" bIns="45720">
-            <a:spAutoFit/>
-          </a:bodyPr>
-          <a:lstStyle/>
-          <a:p>
-            <a:pPr algn="ctr"/>
-            <a:r>
-              <a:rPr lang="en-US" altLang="zh-TW" sz="1500" b="1" dirty="0">
-                <a:solidFill>
-                  <a:srgbClr val="FFFF66"/>
-                </a:solidFill>
-              </a:rPr>
-              <a:t>Innovative  </a:t>
-            </a:r>
-            <a:r>
-              <a:rPr lang="zh-TW" altLang="en-US" sz="900" b="1" dirty="0">
-                <a:solidFill>
-                  <a:srgbClr val="FFFF66"/>
-                </a:solidFill>
-              </a:rPr>
-              <a:t>●</a:t>
-            </a:r>
-            <a:r>
-              <a:rPr lang="en-US" altLang="zh-TW" sz="1500" b="1" dirty="0">
-                <a:solidFill>
-                  <a:srgbClr val="FFFF66"/>
-                </a:solidFill>
-              </a:rPr>
-              <a:t>  Efficient  </a:t>
-            </a:r>
-            <a:r>
-              <a:rPr lang="zh-TW" altLang="en-US" sz="900" b="1" dirty="0">
-                <a:solidFill>
-                  <a:srgbClr val="FFFF66"/>
-                </a:solidFill>
-              </a:rPr>
-              <a:t>●</a:t>
-            </a:r>
-            <a:r>
-              <a:rPr lang="en-US" altLang="zh-TW" sz="900" b="1" dirty="0">
-                <a:solidFill>
-                  <a:srgbClr val="FFFF66"/>
-                </a:solidFill>
-              </a:rPr>
-              <a:t>   </a:t>
-            </a:r>
-            <a:r>
-              <a:rPr lang="en-US" altLang="zh-TW" sz="1500" b="1" dirty="0">
-                <a:solidFill>
-                  <a:srgbClr val="FFFF66"/>
-                </a:solidFill>
-              </a:rPr>
-              <a:t>Reliable</a:t>
-            </a:r>
-            <a:endParaRPr lang="zh-TW" altLang="en-US" sz="1500" b="1" cap="none" spc="0" dirty="0">
-              <a:ln w="10160">
-                <a:solidFill>
-                  <a:schemeClr val="accent5"/>
-                </a:solidFill>
-                <a:prstDash val="solid"/>
-              </a:ln>
-              <a:solidFill>
-                <a:srgbClr val="FFFF66"/>
-              </a:solidFill>
-              <a:effectLst>
-                <a:outerShdw blurRad="38100" dist="22860" dir="5400000" algn="tl" rotWithShape="0">
-                  <a:srgbClr val="000000">
-                    <a:alpha val="30000"/>
-                  </a:srgbClr>
-                </a:outerShdw>
-              </a:effectLst>
-            </a:endParaRPr>
-          </a:p>
-        </p:txBody>
-      </p:sp>
       <p:pic>
         <p:nvPicPr>
           <p:cNvPr id="3" name="圖片 2">
@@ -3640,7 +3547,7 @@
         </p:nvSpPr>
         <p:spPr>
           <a:xfrm>
-            <a:off x="5731710" y="2720370"/>
+            <a:off x="5824700" y="2991591"/>
             <a:ext cx="3298531" cy="323165"/>
           </a:xfrm>
           <a:prstGeom prst="rect">
@@ -3658,7 +3565,7 @@
             <a:r>
               <a:rPr lang="en-US" altLang="zh-TW" sz="1500" b="1" i="1" dirty="0">
                 <a:solidFill>
-                  <a:schemeClr val="bg1"/>
+                  <a:srgbClr val="FFFF99"/>
                 </a:solidFill>
                 <a:effectLst>
                   <a:outerShdw blurRad="50800" dist="38100" dir="2700000" algn="tl" rotWithShape="0">
@@ -3673,7 +3580,7 @@
             <a:r>
               <a:rPr lang="zh-TW" altLang="en-US" sz="1500" b="1" i="1" dirty="0">
                 <a:solidFill>
-                  <a:schemeClr val="bg1"/>
+                  <a:srgbClr val="FFFF99"/>
                 </a:solidFill>
                 <a:effectLst>
                   <a:outerShdw blurRad="50800" dist="38100" dir="2700000" algn="tl" rotWithShape="0">
@@ -3688,7 +3595,7 @@
             <a:r>
               <a:rPr lang="en-US" altLang="zh-TW" sz="1500" b="1" i="1" dirty="0">
                 <a:solidFill>
-                  <a:schemeClr val="bg1"/>
+                  <a:srgbClr val="FFFF99"/>
                 </a:solidFill>
                 <a:effectLst>
                   <a:outerShdw blurRad="50800" dist="38100" dir="2700000" algn="tl" rotWithShape="0">
@@ -3703,7 +3610,7 @@
             <a:r>
               <a:rPr lang="zh-TW" altLang="en-US" sz="1500" b="1" i="1" dirty="0">
                 <a:solidFill>
-                  <a:schemeClr val="bg1"/>
+                  <a:srgbClr val="FFFF99"/>
                 </a:solidFill>
                 <a:effectLst>
                   <a:outerShdw blurRad="50800" dist="38100" dir="2700000" algn="tl" rotWithShape="0">
@@ -3718,7 +3625,7 @@
             <a:r>
               <a:rPr lang="en-US" altLang="zh-TW" sz="1500" b="1" i="1" dirty="0">
                 <a:solidFill>
-                  <a:schemeClr val="bg1"/>
+                  <a:srgbClr val="FFFF99"/>
                 </a:solidFill>
                 <a:effectLst>
                   <a:outerShdw blurRad="50800" dist="38100" dir="2700000" algn="tl" rotWithShape="0">
@@ -3733,7 +3640,7 @@
             <a:r>
               <a:rPr lang="zh-TW" altLang="en-US" sz="1500" b="1" i="1" dirty="0">
                 <a:solidFill>
-                  <a:schemeClr val="bg1"/>
+                  <a:srgbClr val="FFFF99"/>
                 </a:solidFill>
                 <a:effectLst>
                   <a:outerShdw blurRad="50800" dist="38100" dir="2700000" algn="tl" rotWithShape="0">
@@ -3748,7 +3655,7 @@
             <a:r>
               <a:rPr lang="en-US" altLang="zh-TW" sz="1500" b="1" i="1" dirty="0">
                 <a:solidFill>
-                  <a:schemeClr val="bg1"/>
+                  <a:srgbClr val="FFFF99"/>
                 </a:solidFill>
                 <a:effectLst>
                   <a:outerShdw blurRad="50800" dist="38100" dir="2700000" algn="tl" rotWithShape="0">
@@ -3763,7 +3670,7 @@
             <a:r>
               <a:rPr lang="zh-TW" altLang="en-US" sz="1500" b="1" i="1" dirty="0">
                 <a:solidFill>
-                  <a:schemeClr val="bg1"/>
+                  <a:srgbClr val="FFFF99"/>
                 </a:solidFill>
                 <a:effectLst>
                   <a:outerShdw blurRad="50800" dist="38100" dir="2700000" algn="tl" rotWithShape="0">
@@ -3778,7 +3685,7 @@
             <a:r>
               <a:rPr lang="en-US" altLang="zh-TW" sz="1500" b="1" i="1" dirty="0">
                 <a:solidFill>
-                  <a:schemeClr val="bg1"/>
+                  <a:srgbClr val="FFFF99"/>
                 </a:solidFill>
                 <a:effectLst>
                   <a:outerShdw blurRad="50800" dist="38100" dir="2700000" algn="tl" rotWithShape="0">
@@ -3798,7 +3705,7 @@
                 <a:prstDash val="solid"/>
               </a:ln>
               <a:solidFill>
-                <a:schemeClr val="bg1"/>
+                <a:srgbClr val="FFFF99"/>
               </a:solidFill>
               <a:effectLst>
                 <a:outerShdw blurRad="50800" dist="38100" dir="2700000" algn="tl" rotWithShape="0">

--- a/簡報2.pptx
+++ b/簡報2.pptx
@@ -3547,8 +3547,8 @@
         </p:nvSpPr>
         <p:spPr>
           <a:xfrm>
-            <a:off x="5824700" y="2991591"/>
-            <a:ext cx="3298531" cy="323165"/>
+            <a:off x="3461003" y="2052277"/>
+            <a:ext cx="3267946" cy="323165"/>
           </a:xfrm>
           <a:prstGeom prst="rect">
             <a:avLst/>
@@ -3565,7 +3565,7 @@
             <a:r>
               <a:rPr lang="en-US" altLang="zh-TW" sz="1500" b="1" i="1" dirty="0">
                 <a:solidFill>
-                  <a:srgbClr val="FFFF99"/>
+                  <a:srgbClr val="FFFF66"/>
                 </a:solidFill>
                 <a:effectLst>
                   <a:outerShdw blurRad="50800" dist="38100" dir="2700000" algn="tl" rotWithShape="0">
@@ -3580,7 +3580,7 @@
             <a:r>
               <a:rPr lang="zh-TW" altLang="en-US" sz="1500" b="1" i="1" dirty="0">
                 <a:solidFill>
-                  <a:srgbClr val="FFFF99"/>
+                  <a:srgbClr val="FFFF66"/>
                 </a:solidFill>
                 <a:effectLst>
                   <a:outerShdw blurRad="50800" dist="38100" dir="2700000" algn="tl" rotWithShape="0">
@@ -3595,7 +3595,7 @@
             <a:r>
               <a:rPr lang="en-US" altLang="zh-TW" sz="1500" b="1" i="1" dirty="0">
                 <a:solidFill>
-                  <a:srgbClr val="FFFF99"/>
+                  <a:srgbClr val="FFFF66"/>
                 </a:solidFill>
                 <a:effectLst>
                   <a:outerShdw blurRad="50800" dist="38100" dir="2700000" algn="tl" rotWithShape="0">
@@ -3610,7 +3610,7 @@
             <a:r>
               <a:rPr lang="zh-TW" altLang="en-US" sz="1500" b="1" i="1" dirty="0">
                 <a:solidFill>
-                  <a:srgbClr val="FFFF99"/>
+                  <a:srgbClr val="FFFF66"/>
                 </a:solidFill>
                 <a:effectLst>
                   <a:outerShdw blurRad="50800" dist="38100" dir="2700000" algn="tl" rotWithShape="0">
@@ -3625,7 +3625,7 @@
             <a:r>
               <a:rPr lang="en-US" altLang="zh-TW" sz="1500" b="1" i="1" dirty="0">
                 <a:solidFill>
-                  <a:srgbClr val="FFFF99"/>
+                  <a:srgbClr val="FFFF66"/>
                 </a:solidFill>
                 <a:effectLst>
                   <a:outerShdw blurRad="50800" dist="38100" dir="2700000" algn="tl" rotWithShape="0">
@@ -3640,7 +3640,7 @@
             <a:r>
               <a:rPr lang="zh-TW" altLang="en-US" sz="1500" b="1" i="1" dirty="0">
                 <a:solidFill>
-                  <a:srgbClr val="FFFF99"/>
+                  <a:srgbClr val="FFFF66"/>
                 </a:solidFill>
                 <a:effectLst>
                   <a:outerShdw blurRad="50800" dist="38100" dir="2700000" algn="tl" rotWithShape="0">
@@ -3655,7 +3655,7 @@
             <a:r>
               <a:rPr lang="en-US" altLang="zh-TW" sz="1500" b="1" i="1" dirty="0">
                 <a:solidFill>
-                  <a:srgbClr val="FFFF99"/>
+                  <a:srgbClr val="FFFF66"/>
                 </a:solidFill>
                 <a:effectLst>
                   <a:outerShdw blurRad="50800" dist="38100" dir="2700000" algn="tl" rotWithShape="0">
@@ -3670,7 +3670,7 @@
             <a:r>
               <a:rPr lang="zh-TW" altLang="en-US" sz="1500" b="1" i="1" dirty="0">
                 <a:solidFill>
-                  <a:srgbClr val="FFFF99"/>
+                  <a:srgbClr val="FFFF66"/>
                 </a:solidFill>
                 <a:effectLst>
                   <a:outerShdw blurRad="50800" dist="38100" dir="2700000" algn="tl" rotWithShape="0">
@@ -3685,7 +3685,7 @@
             <a:r>
               <a:rPr lang="en-US" altLang="zh-TW" sz="1500" b="1" i="1" dirty="0">
                 <a:solidFill>
-                  <a:srgbClr val="FFFF99"/>
+                  <a:srgbClr val="FFFF66"/>
                 </a:solidFill>
                 <a:effectLst>
                   <a:outerShdw blurRad="50800" dist="38100" dir="2700000" algn="tl" rotWithShape="0">
@@ -3705,7 +3705,7 @@
                 <a:prstDash val="solid"/>
               </a:ln>
               <a:solidFill>
-                <a:srgbClr val="FFFF99"/>
+                <a:srgbClr val="FFFF66"/>
               </a:solidFill>
               <a:effectLst>
                 <a:outerShdw blurRad="50800" dist="38100" dir="2700000" algn="tl" rotWithShape="0">

--- a/簡報2.pptx
+++ b/簡報2.pptx
@@ -7,6 +7,8 @@
   <p:sldIdLst>
     <p:sldId id="256" r:id="rId2"/>
     <p:sldId id="257" r:id="rId3"/>
+    <p:sldId id="258" r:id="rId4"/>
+    <p:sldId id="259" r:id="rId5"/>
   </p:sldIdLst>
   <p:sldSz cx="12192000" cy="6858000"/>
   <p:notesSz cx="6858000" cy="9144000"/>
@@ -260,7 +262,7 @@
           <a:p>
             <a:fld id="{2DE61211-E74D-4750-8CAD-8CF9C524781D}" type="datetimeFigureOut">
               <a:rPr lang="zh-TW" altLang="en-US" smtClean="0"/>
-              <a:t>2025/6/6</a:t>
+              <a:t>2025/6/13</a:t>
             </a:fld>
             <a:endParaRPr lang="zh-TW" altLang="en-US"/>
           </a:p>
@@ -458,7 +460,7 @@
           <a:p>
             <a:fld id="{2DE61211-E74D-4750-8CAD-8CF9C524781D}" type="datetimeFigureOut">
               <a:rPr lang="zh-TW" altLang="en-US" smtClean="0"/>
-              <a:t>2025/6/6</a:t>
+              <a:t>2025/6/13</a:t>
             </a:fld>
             <a:endParaRPr lang="zh-TW" altLang="en-US"/>
           </a:p>
@@ -666,7 +668,7 @@
           <a:p>
             <a:fld id="{2DE61211-E74D-4750-8CAD-8CF9C524781D}" type="datetimeFigureOut">
               <a:rPr lang="zh-TW" altLang="en-US" smtClean="0"/>
-              <a:t>2025/6/6</a:t>
+              <a:t>2025/6/13</a:t>
             </a:fld>
             <a:endParaRPr lang="zh-TW" altLang="en-US"/>
           </a:p>
@@ -864,7 +866,7 @@
           <a:p>
             <a:fld id="{2DE61211-E74D-4750-8CAD-8CF9C524781D}" type="datetimeFigureOut">
               <a:rPr lang="zh-TW" altLang="en-US" smtClean="0"/>
-              <a:t>2025/6/6</a:t>
+              <a:t>2025/6/13</a:t>
             </a:fld>
             <a:endParaRPr lang="zh-TW" altLang="en-US"/>
           </a:p>
@@ -1139,7 +1141,7 @@
           <a:p>
             <a:fld id="{2DE61211-E74D-4750-8CAD-8CF9C524781D}" type="datetimeFigureOut">
               <a:rPr lang="zh-TW" altLang="en-US" smtClean="0"/>
-              <a:t>2025/6/6</a:t>
+              <a:t>2025/6/13</a:t>
             </a:fld>
             <a:endParaRPr lang="zh-TW" altLang="en-US"/>
           </a:p>
@@ -1404,7 +1406,7 @@
           <a:p>
             <a:fld id="{2DE61211-E74D-4750-8CAD-8CF9C524781D}" type="datetimeFigureOut">
               <a:rPr lang="zh-TW" altLang="en-US" smtClean="0"/>
-              <a:t>2025/6/6</a:t>
+              <a:t>2025/6/13</a:t>
             </a:fld>
             <a:endParaRPr lang="zh-TW" altLang="en-US"/>
           </a:p>
@@ -1816,7 +1818,7 @@
           <a:p>
             <a:fld id="{2DE61211-E74D-4750-8CAD-8CF9C524781D}" type="datetimeFigureOut">
               <a:rPr lang="zh-TW" altLang="en-US" smtClean="0"/>
-              <a:t>2025/6/6</a:t>
+              <a:t>2025/6/13</a:t>
             </a:fld>
             <a:endParaRPr lang="zh-TW" altLang="en-US"/>
           </a:p>
@@ -1957,7 +1959,7 @@
           <a:p>
             <a:fld id="{2DE61211-E74D-4750-8CAD-8CF9C524781D}" type="datetimeFigureOut">
               <a:rPr lang="zh-TW" altLang="en-US" smtClean="0"/>
-              <a:t>2025/6/6</a:t>
+              <a:t>2025/6/13</a:t>
             </a:fld>
             <a:endParaRPr lang="zh-TW" altLang="en-US"/>
           </a:p>
@@ -2070,7 +2072,7 @@
           <a:p>
             <a:fld id="{2DE61211-E74D-4750-8CAD-8CF9C524781D}" type="datetimeFigureOut">
               <a:rPr lang="zh-TW" altLang="en-US" smtClean="0"/>
-              <a:t>2025/6/6</a:t>
+              <a:t>2025/6/13</a:t>
             </a:fld>
             <a:endParaRPr lang="zh-TW" altLang="en-US"/>
           </a:p>
@@ -2381,7 +2383,7 @@
           <a:p>
             <a:fld id="{2DE61211-E74D-4750-8CAD-8CF9C524781D}" type="datetimeFigureOut">
               <a:rPr lang="zh-TW" altLang="en-US" smtClean="0"/>
-              <a:t>2025/6/6</a:t>
+              <a:t>2025/6/13</a:t>
             </a:fld>
             <a:endParaRPr lang="zh-TW" altLang="en-US"/>
           </a:p>
@@ -2669,7 +2671,7 @@
           <a:p>
             <a:fld id="{2DE61211-E74D-4750-8CAD-8CF9C524781D}" type="datetimeFigureOut">
               <a:rPr lang="zh-TW" altLang="en-US" smtClean="0"/>
-              <a:t>2025/6/6</a:t>
+              <a:t>2025/6/13</a:t>
             </a:fld>
             <a:endParaRPr lang="zh-TW" altLang="en-US"/>
           </a:p>
@@ -2910,7 +2912,7 @@
           <a:p>
             <a:fld id="{2DE61211-E74D-4750-8CAD-8CF9C524781D}" type="datetimeFigureOut">
               <a:rPr lang="zh-TW" altLang="en-US" smtClean="0"/>
-              <a:t>2025/6/6</a:t>
+              <a:t>2025/6/13</a:t>
             </a:fld>
             <a:endParaRPr lang="zh-TW" altLang="en-US"/>
           </a:p>
@@ -3731,6 +3733,531 @@
 </p:sld>
 </file>
 
+<file path=ppt/slides/slide3.xml><?xml version="1.0" encoding="utf-8"?>
+<p:sld xmlns:a="http://schemas.openxmlformats.org/drawingml/2006/main" xmlns:r="http://schemas.openxmlformats.org/officeDocument/2006/relationships" xmlns:p="http://schemas.openxmlformats.org/presentationml/2006/main">
+  <p:cSld>
+    <p:spTree>
+      <p:nvGrpSpPr>
+        <p:cNvPr id="1" name="">
+          <a:extLst>
+            <a:ext uri="{FF2B5EF4-FFF2-40B4-BE49-F238E27FC236}">
+              <a16:creationId xmlns:a16="http://schemas.microsoft.com/office/drawing/2014/main" id="{CF491E83-6AAB-E4E4-2AF2-E066DD41A76A}"/>
+            </a:ext>
+          </a:extLst>
+        </p:cNvPr>
+        <p:cNvGrpSpPr/>
+        <p:nvPr/>
+      </p:nvGrpSpPr>
+      <p:grpSpPr>
+        <a:xfrm>
+          <a:off x="0" y="0"/>
+          <a:ext cx="0" cy="0"/>
+          <a:chOff x="0" y="0"/>
+          <a:chExt cx="0" cy="0"/>
+        </a:xfrm>
+      </p:grpSpPr>
+      <p:pic>
+        <p:nvPicPr>
+          <p:cNvPr id="5" name="圖片 4">
+            <a:extLst>
+              <a:ext uri="{FF2B5EF4-FFF2-40B4-BE49-F238E27FC236}">
+                <a16:creationId xmlns:a16="http://schemas.microsoft.com/office/drawing/2014/main" id="{8206AD6E-C05C-45E9-626D-8D3C79839B30}"/>
+              </a:ext>
+            </a:extLst>
+          </p:cNvPr>
+          <p:cNvPicPr>
+            <a:picLocks noChangeAspect="1"/>
+          </p:cNvPicPr>
+          <p:nvPr/>
+        </p:nvPicPr>
+        <p:blipFill>
+          <a:blip r:embed="rId2">
+            <a:extLst>
+              <a:ext uri="{28A0092B-C50C-407E-A947-70E740481C1C}">
+                <a14:useLocalDpi xmlns:a14="http://schemas.microsoft.com/office/drawing/2010/main" val="0"/>
+              </a:ext>
+            </a:extLst>
+          </a:blip>
+          <a:stretch>
+            <a:fillRect/>
+          </a:stretch>
+        </p:blipFill>
+        <p:spPr>
+          <a:xfrm>
+            <a:off x="640080" y="2392680"/>
+            <a:ext cx="10911840" cy="2072640"/>
+          </a:xfrm>
+          <a:prstGeom prst="rect">
+            <a:avLst/>
+          </a:prstGeom>
+        </p:spPr>
+      </p:pic>
+      <p:sp>
+        <p:nvSpPr>
+          <p:cNvPr id="6" name="矩形 5">
+            <a:extLst>
+              <a:ext uri="{FF2B5EF4-FFF2-40B4-BE49-F238E27FC236}">
+                <a16:creationId xmlns:a16="http://schemas.microsoft.com/office/drawing/2014/main" id="{678043AF-A457-21C7-F67A-93E257E53460}"/>
+              </a:ext>
+            </a:extLst>
+          </p:cNvPr>
+          <p:cNvSpPr/>
+          <p:nvPr/>
+        </p:nvSpPr>
+        <p:spPr>
+          <a:xfrm>
+            <a:off x="2809523" y="3061119"/>
+            <a:ext cx="3286477" cy="323165"/>
+          </a:xfrm>
+          <a:prstGeom prst="rect">
+            <a:avLst/>
+          </a:prstGeom>
+          <a:noFill/>
+        </p:spPr>
+        <p:txBody>
+          <a:bodyPr wrap="none" lIns="91440" tIns="45720" rIns="91440" bIns="45720">
+            <a:spAutoFit/>
+          </a:bodyPr>
+          <a:lstStyle/>
+          <a:p>
+            <a:pPr algn="ctr"/>
+            <a:r>
+              <a:rPr lang="en-US" altLang="zh-TW" sz="1500" b="1" i="1" dirty="0">
+                <a:solidFill>
+                  <a:srgbClr val="FFFF66"/>
+                </a:solidFill>
+                <a:latin typeface="Inter" panose="02000503000000020004" pitchFamily="2" charset="0"/>
+                <a:ea typeface="Inter" panose="02000503000000020004" pitchFamily="2" charset="0"/>
+              </a:rPr>
+              <a:t>Innovative  </a:t>
+            </a:r>
+            <a:r>
+              <a:rPr lang="zh-TW" altLang="en-US" sz="900" b="1" i="1" dirty="0">
+                <a:solidFill>
+                  <a:srgbClr val="FFFF66"/>
+                </a:solidFill>
+                <a:latin typeface="Inter" panose="02000503000000020004" pitchFamily="2" charset="0"/>
+              </a:rPr>
+              <a:t>●</a:t>
+            </a:r>
+            <a:r>
+              <a:rPr lang="en-US" altLang="zh-TW" sz="1500" b="1" i="1" dirty="0">
+                <a:solidFill>
+                  <a:srgbClr val="FFFF66"/>
+                </a:solidFill>
+                <a:latin typeface="Inter" panose="02000503000000020004" pitchFamily="2" charset="0"/>
+                <a:ea typeface="Inter" panose="02000503000000020004" pitchFamily="2" charset="0"/>
+              </a:rPr>
+              <a:t>  Efficient  </a:t>
+            </a:r>
+            <a:r>
+              <a:rPr lang="zh-TW" altLang="en-US" sz="900" b="1" i="1" dirty="0">
+                <a:solidFill>
+                  <a:srgbClr val="FFFF66"/>
+                </a:solidFill>
+                <a:latin typeface="Inter" panose="02000503000000020004" pitchFamily="2" charset="0"/>
+              </a:rPr>
+              <a:t>●</a:t>
+            </a:r>
+            <a:r>
+              <a:rPr lang="en-US" altLang="zh-TW" sz="900" b="1" i="1" dirty="0">
+                <a:solidFill>
+                  <a:srgbClr val="FFFF66"/>
+                </a:solidFill>
+                <a:latin typeface="Inter" panose="02000503000000020004" pitchFamily="2" charset="0"/>
+                <a:ea typeface="Inter" panose="02000503000000020004" pitchFamily="2" charset="0"/>
+              </a:rPr>
+              <a:t>   </a:t>
+            </a:r>
+            <a:r>
+              <a:rPr lang="en-US" altLang="zh-TW" sz="1500" b="1" i="1" dirty="0">
+                <a:solidFill>
+                  <a:srgbClr val="FFFF66"/>
+                </a:solidFill>
+                <a:latin typeface="Inter" panose="02000503000000020004" pitchFamily="2" charset="0"/>
+                <a:ea typeface="Inter" panose="02000503000000020004" pitchFamily="2" charset="0"/>
+              </a:rPr>
+              <a:t>Reliable</a:t>
+            </a:r>
+            <a:endParaRPr lang="zh-TW" altLang="en-US" sz="1500" b="1" i="1" cap="none" spc="0" dirty="0">
+              <a:ln w="10160">
+                <a:solidFill>
+                  <a:schemeClr val="accent5"/>
+                </a:solidFill>
+                <a:prstDash val="solid"/>
+              </a:ln>
+              <a:solidFill>
+                <a:srgbClr val="FFFF66"/>
+              </a:solidFill>
+              <a:effectLst>
+                <a:outerShdw blurRad="38100" dist="22860" dir="5400000" algn="tl" rotWithShape="0">
+                  <a:srgbClr val="000000">
+                    <a:alpha val="30000"/>
+                  </a:srgbClr>
+                </a:outerShdw>
+              </a:effectLst>
+              <a:latin typeface="Inter" panose="02000503000000020004" pitchFamily="2" charset="0"/>
+            </a:endParaRPr>
+          </a:p>
+        </p:txBody>
+      </p:sp>
+      <p:sp>
+        <p:nvSpPr>
+          <p:cNvPr id="2" name="文字方塊 1">
+            <a:extLst>
+              <a:ext uri="{FF2B5EF4-FFF2-40B4-BE49-F238E27FC236}">
+                <a16:creationId xmlns:a16="http://schemas.microsoft.com/office/drawing/2014/main" id="{5F7D9457-90D6-86A1-3ABB-5161C389EB49}"/>
+              </a:ext>
+            </a:extLst>
+          </p:cNvPr>
+          <p:cNvSpPr txBox="1"/>
+          <p:nvPr/>
+        </p:nvSpPr>
+        <p:spPr>
+          <a:xfrm>
+            <a:off x="976393" y="1123627"/>
+            <a:ext cx="632096" cy="369332"/>
+          </a:xfrm>
+          <a:prstGeom prst="rect">
+            <a:avLst/>
+          </a:prstGeom>
+          <a:noFill/>
+        </p:spPr>
+        <p:txBody>
+          <a:bodyPr wrap="none" rtlCol="0">
+            <a:spAutoFit/>
+          </a:bodyPr>
+          <a:lstStyle/>
+          <a:p>
+            <a:r>
+              <a:rPr lang="en-US" altLang="zh-TW" dirty="0"/>
+              <a:t>Inter</a:t>
+            </a:r>
+            <a:endParaRPr lang="zh-TW" altLang="en-US" dirty="0"/>
+          </a:p>
+        </p:txBody>
+      </p:sp>
+    </p:spTree>
+    <p:extLst>
+      <p:ext uri="{BB962C8B-B14F-4D97-AF65-F5344CB8AC3E}">
+        <p14:creationId xmlns:p14="http://schemas.microsoft.com/office/powerpoint/2010/main" val="2510224190"/>
+      </p:ext>
+    </p:extLst>
+  </p:cSld>
+  <p:clrMapOvr>
+    <a:masterClrMapping/>
+  </p:clrMapOvr>
+</p:sld>
+</file>
+
+<file path=ppt/slides/slide4.xml><?xml version="1.0" encoding="utf-8"?>
+<p:sld xmlns:a="http://schemas.openxmlformats.org/drawingml/2006/main" xmlns:r="http://schemas.openxmlformats.org/officeDocument/2006/relationships" xmlns:p="http://schemas.openxmlformats.org/presentationml/2006/main">
+  <p:cSld>
+    <p:spTree>
+      <p:nvGrpSpPr>
+        <p:cNvPr id="1" name="">
+          <a:extLst>
+            <a:ext uri="{FF2B5EF4-FFF2-40B4-BE49-F238E27FC236}">
+              <a16:creationId xmlns:a16="http://schemas.microsoft.com/office/drawing/2014/main" id="{F425F6CB-908B-6F6A-9DBB-A7DF5C863643}"/>
+            </a:ext>
+          </a:extLst>
+        </p:cNvPr>
+        <p:cNvGrpSpPr/>
+        <p:nvPr/>
+      </p:nvGrpSpPr>
+      <p:grpSpPr>
+        <a:xfrm>
+          <a:off x="0" y="0"/>
+          <a:ext cx="0" cy="0"/>
+          <a:chOff x="0" y="0"/>
+          <a:chExt cx="0" cy="0"/>
+        </a:xfrm>
+      </p:grpSpPr>
+      <p:pic>
+        <p:nvPicPr>
+          <p:cNvPr id="3" name="圖片 2">
+            <a:extLst>
+              <a:ext uri="{FF2B5EF4-FFF2-40B4-BE49-F238E27FC236}">
+                <a16:creationId xmlns:a16="http://schemas.microsoft.com/office/drawing/2014/main" id="{D4D79B1D-74B7-66D3-449D-08F005B2916C}"/>
+              </a:ext>
+            </a:extLst>
+          </p:cNvPr>
+          <p:cNvPicPr>
+            <a:picLocks noChangeAspect="1"/>
+          </p:cNvPicPr>
+          <p:nvPr/>
+        </p:nvPicPr>
+        <p:blipFill>
+          <a:blip r:embed="rId2">
+            <a:extLst>
+              <a:ext uri="{28A0092B-C50C-407E-A947-70E740481C1C}">
+                <a14:useLocalDpi xmlns:a14="http://schemas.microsoft.com/office/drawing/2010/main" val="0"/>
+              </a:ext>
+            </a:extLst>
+          </a:blip>
+          <a:stretch>
+            <a:fillRect/>
+          </a:stretch>
+        </p:blipFill>
+        <p:spPr>
+          <a:xfrm>
+            <a:off x="1040130" y="2007870"/>
+            <a:ext cx="10111740" cy="2842260"/>
+          </a:xfrm>
+          <a:prstGeom prst="rect">
+            <a:avLst/>
+          </a:prstGeom>
+        </p:spPr>
+      </p:pic>
+      <p:sp>
+        <p:nvSpPr>
+          <p:cNvPr id="4" name="矩形 3">
+            <a:extLst>
+              <a:ext uri="{FF2B5EF4-FFF2-40B4-BE49-F238E27FC236}">
+                <a16:creationId xmlns:a16="http://schemas.microsoft.com/office/drawing/2014/main" id="{4B259D1D-A277-0BF1-A41C-3B2AAA7A4FF9}"/>
+              </a:ext>
+            </a:extLst>
+          </p:cNvPr>
+          <p:cNvSpPr/>
+          <p:nvPr/>
+        </p:nvSpPr>
+        <p:spPr>
+          <a:xfrm>
+            <a:off x="3423104" y="2280877"/>
+            <a:ext cx="3765775" cy="323165"/>
+          </a:xfrm>
+          <a:prstGeom prst="rect">
+            <a:avLst/>
+          </a:prstGeom>
+          <a:noFill/>
+        </p:spPr>
+        <p:txBody>
+          <a:bodyPr wrap="none" lIns="91440" tIns="45720" rIns="91440" bIns="45720">
+            <a:spAutoFit/>
+          </a:bodyPr>
+          <a:lstStyle/>
+          <a:p>
+            <a:pPr algn="ctr"/>
+            <a:r>
+              <a:rPr lang="en-US" altLang="zh-TW" sz="1500" b="1" i="1" dirty="0">
+                <a:solidFill>
+                  <a:srgbClr val="FFFF66"/>
+                </a:solidFill>
+                <a:effectLst>
+                  <a:outerShdw blurRad="50800" dist="38100" dir="2700000" algn="tl" rotWithShape="0">
+                    <a:prstClr val="black">
+                      <a:alpha val="40000"/>
+                    </a:prstClr>
+                  </a:outerShdw>
+                </a:effectLst>
+                <a:latin typeface="Inter" panose="02000503000000020004" pitchFamily="2" charset="0"/>
+                <a:ea typeface="Inter" panose="02000503000000020004" pitchFamily="2" charset="0"/>
+              </a:rPr>
+              <a:t>Innovation</a:t>
+            </a:r>
+            <a:r>
+              <a:rPr lang="zh-TW" altLang="en-US" sz="1500" b="1" i="1" dirty="0">
+                <a:solidFill>
+                  <a:srgbClr val="FFFF66"/>
+                </a:solidFill>
+                <a:effectLst>
+                  <a:outerShdw blurRad="50800" dist="38100" dir="2700000" algn="tl" rotWithShape="0">
+                    <a:prstClr val="black">
+                      <a:alpha val="40000"/>
+                    </a:prstClr>
+                  </a:outerShdw>
+                </a:effectLst>
+                <a:latin typeface="Inter" panose="02000503000000020004" pitchFamily="2" charset="0"/>
+              </a:rPr>
+              <a:t> </a:t>
+            </a:r>
+            <a:r>
+              <a:rPr lang="en-US" altLang="zh-TW" sz="1500" b="1" i="1" dirty="0">
+                <a:solidFill>
+                  <a:srgbClr val="FFFF66"/>
+                </a:solidFill>
+                <a:effectLst>
+                  <a:outerShdw blurRad="50800" dist="38100" dir="2700000" algn="tl" rotWithShape="0">
+                    <a:prstClr val="black">
+                      <a:alpha val="40000"/>
+                    </a:prstClr>
+                  </a:outerShdw>
+                </a:effectLst>
+                <a:latin typeface="Inter" panose="02000503000000020004" pitchFamily="2" charset="0"/>
+                <a:ea typeface="Inter" panose="02000503000000020004" pitchFamily="2" charset="0"/>
+              </a:rPr>
+              <a:t>*</a:t>
+            </a:r>
+            <a:r>
+              <a:rPr lang="zh-TW" altLang="en-US" sz="1500" b="1" i="1" dirty="0">
+                <a:solidFill>
+                  <a:srgbClr val="FFFF66"/>
+                </a:solidFill>
+                <a:effectLst>
+                  <a:outerShdw blurRad="50800" dist="38100" dir="2700000" algn="tl" rotWithShape="0">
+                    <a:prstClr val="black">
+                      <a:alpha val="40000"/>
+                    </a:prstClr>
+                  </a:outerShdw>
+                </a:effectLst>
+                <a:latin typeface="Inter" panose="02000503000000020004" pitchFamily="2" charset="0"/>
+              </a:rPr>
+              <a:t> </a:t>
+            </a:r>
+            <a:r>
+              <a:rPr lang="en-US" altLang="zh-TW" sz="1500" b="1" i="1" dirty="0">
+                <a:solidFill>
+                  <a:srgbClr val="FFFF66"/>
+                </a:solidFill>
+                <a:effectLst>
+                  <a:outerShdw blurRad="50800" dist="38100" dir="2700000" algn="tl" rotWithShape="0">
+                    <a:prstClr val="black">
+                      <a:alpha val="40000"/>
+                    </a:prstClr>
+                  </a:outerShdw>
+                </a:effectLst>
+                <a:latin typeface="Inter" panose="02000503000000020004" pitchFamily="2" charset="0"/>
+                <a:ea typeface="Inter" panose="02000503000000020004" pitchFamily="2" charset="0"/>
+              </a:rPr>
+              <a:t>Integration</a:t>
+            </a:r>
+            <a:r>
+              <a:rPr lang="zh-TW" altLang="en-US" sz="1500" b="1" i="1" dirty="0">
+                <a:solidFill>
+                  <a:srgbClr val="FFFF66"/>
+                </a:solidFill>
+                <a:effectLst>
+                  <a:outerShdw blurRad="50800" dist="38100" dir="2700000" algn="tl" rotWithShape="0">
+                    <a:prstClr val="black">
+                      <a:alpha val="40000"/>
+                    </a:prstClr>
+                  </a:outerShdw>
+                </a:effectLst>
+                <a:latin typeface="Inter" panose="02000503000000020004" pitchFamily="2" charset="0"/>
+              </a:rPr>
+              <a:t> </a:t>
+            </a:r>
+            <a:r>
+              <a:rPr lang="en-US" altLang="zh-TW" sz="1500" b="1" i="1" dirty="0">
+                <a:solidFill>
+                  <a:srgbClr val="FFFF66"/>
+                </a:solidFill>
+                <a:effectLst>
+                  <a:outerShdw blurRad="50800" dist="38100" dir="2700000" algn="tl" rotWithShape="0">
+                    <a:prstClr val="black">
+                      <a:alpha val="40000"/>
+                    </a:prstClr>
+                  </a:outerShdw>
+                </a:effectLst>
+                <a:latin typeface="Inter" panose="02000503000000020004" pitchFamily="2" charset="0"/>
+                <a:ea typeface="Inter" panose="02000503000000020004" pitchFamily="2" charset="0"/>
+              </a:rPr>
+              <a:t>*</a:t>
+            </a:r>
+            <a:r>
+              <a:rPr lang="zh-TW" altLang="en-US" sz="1500" b="1" i="1" dirty="0">
+                <a:solidFill>
+                  <a:srgbClr val="FFFF66"/>
+                </a:solidFill>
+                <a:effectLst>
+                  <a:outerShdw blurRad="50800" dist="38100" dir="2700000" algn="tl" rotWithShape="0">
+                    <a:prstClr val="black">
+                      <a:alpha val="40000"/>
+                    </a:prstClr>
+                  </a:outerShdw>
+                </a:effectLst>
+                <a:latin typeface="Inter" panose="02000503000000020004" pitchFamily="2" charset="0"/>
+              </a:rPr>
+              <a:t> </a:t>
+            </a:r>
+            <a:r>
+              <a:rPr lang="en-US" altLang="zh-TW" sz="1500" b="1" i="1" dirty="0">
+                <a:solidFill>
+                  <a:srgbClr val="FFFF66"/>
+                </a:solidFill>
+                <a:effectLst>
+                  <a:outerShdw blurRad="50800" dist="38100" dir="2700000" algn="tl" rotWithShape="0">
+                    <a:prstClr val="black">
+                      <a:alpha val="40000"/>
+                    </a:prstClr>
+                  </a:outerShdw>
+                </a:effectLst>
+                <a:latin typeface="Inter" panose="02000503000000020004" pitchFamily="2" charset="0"/>
+                <a:ea typeface="Inter" panose="02000503000000020004" pitchFamily="2" charset="0"/>
+              </a:rPr>
+              <a:t>Intelligence </a:t>
+            </a:r>
+            <a:endParaRPr lang="zh-TW" altLang="en-US" sz="1500" b="1" i="1" cap="none" spc="0" dirty="0">
+              <a:ln w="10160">
+                <a:solidFill>
+                  <a:schemeClr val="accent5"/>
+                </a:solidFill>
+                <a:prstDash val="solid"/>
+              </a:ln>
+              <a:solidFill>
+                <a:srgbClr val="FFFF66"/>
+              </a:solidFill>
+              <a:effectLst>
+                <a:outerShdw blurRad="50800" dist="38100" dir="2700000" algn="tl" rotWithShape="0">
+                  <a:prstClr val="black">
+                    <a:alpha val="40000"/>
+                  </a:prstClr>
+                </a:outerShdw>
+              </a:effectLst>
+              <a:latin typeface="Inter" panose="02000503000000020004" pitchFamily="2" charset="0"/>
+            </a:endParaRPr>
+          </a:p>
+        </p:txBody>
+      </p:sp>
+      <p:sp>
+        <p:nvSpPr>
+          <p:cNvPr id="2" name="文字方塊 1">
+            <a:extLst>
+              <a:ext uri="{FF2B5EF4-FFF2-40B4-BE49-F238E27FC236}">
+                <a16:creationId xmlns:a16="http://schemas.microsoft.com/office/drawing/2014/main" id="{D895C174-A47A-5142-26FF-9FBF5974A9EA}"/>
+              </a:ext>
+            </a:extLst>
+          </p:cNvPr>
+          <p:cNvSpPr txBox="1"/>
+          <p:nvPr/>
+        </p:nvSpPr>
+        <p:spPr>
+          <a:xfrm>
+            <a:off x="976393" y="1123627"/>
+            <a:ext cx="632096" cy="369332"/>
+          </a:xfrm>
+          <a:prstGeom prst="rect">
+            <a:avLst/>
+          </a:prstGeom>
+          <a:noFill/>
+        </p:spPr>
+        <p:txBody>
+          <a:bodyPr wrap="none" rtlCol="0">
+            <a:spAutoFit/>
+          </a:bodyPr>
+          <a:lstStyle/>
+          <a:p>
+            <a:r>
+              <a:rPr lang="en-US" altLang="zh-TW" dirty="0"/>
+              <a:t>Inter</a:t>
+            </a:r>
+            <a:endParaRPr lang="zh-TW" altLang="en-US" dirty="0"/>
+          </a:p>
+        </p:txBody>
+      </p:sp>
+    </p:spTree>
+    <p:extLst>
+      <p:ext uri="{BB962C8B-B14F-4D97-AF65-F5344CB8AC3E}">
+        <p14:creationId xmlns:p14="http://schemas.microsoft.com/office/powerpoint/2010/main" val="3477786082"/>
+      </p:ext>
+    </p:extLst>
+  </p:cSld>
+  <p:clrMapOvr>
+    <a:masterClrMapping/>
+  </p:clrMapOvr>
+</p:sld>
+</file>
+
 <file path=ppt/theme/theme1.xml><?xml version="1.0" encoding="utf-8"?>
 <a:theme xmlns:a="http://schemas.openxmlformats.org/drawingml/2006/main" name="Office 佈景主題">
   <a:themeElements>
